--- a/slides/s1-getting-started-slides/s1-getting-started.pptx
+++ b/slides/s1-getting-started-slides/s1-getting-started.pptx
@@ -5804,29 +5804,18 @@
               <a:rPr lang="en-US" dirty="0"/>
               <a:t>Building the Speed Calculator App</a:t>
             </a:r>
-            <a:br>
-              <a:rPr lang="en-US" dirty="0"/>
-            </a:br>
-            <a:endParaRPr lang="en-US" dirty="0"/>
           </a:p>
           <a:p>
             <a:r>
               <a:rPr lang="en-US" dirty="0"/>
               <a:t>Course overview</a:t>
             </a:r>
-            <a:br>
-              <a:rPr lang="en-US" dirty="0"/>
-            </a:br>
-            <a:endParaRPr lang="en-US" dirty="0"/>
           </a:p>
           <a:p>
             <a:r>
               <a:rPr lang="en-US" dirty="0"/>
               <a:t>What is State?</a:t>
             </a:r>
-          </a:p>
-          <a:p>
-            <a:endParaRPr lang="en-US" dirty="0"/>
           </a:p>
           <a:p>
             <a:r>
@@ -6073,7 +6062,7 @@
                                         <p:tgtEl>
                                           <p:spTgt spid="3">
                                             <p:txEl>
-                                              <p:pRg st="4" end="4"/>
+                                              <p:pRg st="3" end="3"/>
                                             </p:txEl>
                                           </p:spTgt>
                                         </p:tgtEl>
@@ -6091,7 +6080,7 @@
                                         <p:tgtEl>
                                           <p:spTgt spid="3">
                                             <p:txEl>
-                                              <p:pRg st="4" end="4"/>
+                                              <p:pRg st="3" end="3"/>
                                             </p:txEl>
                                           </p:spTgt>
                                         </p:tgtEl>
@@ -6203,22 +6192,50 @@
           <a:p>
             <a:r>
               <a:rPr lang="en-US" dirty="0"/>
-              <a:t>Using TextField and TextEditingController Widgets</a:t>
+              <a:t>Using </a:t>
             </a:r>
-          </a:p>
-          <a:p>
-            <a:pPr lvl="1"/>
-            <a:endParaRPr lang="en-US" dirty="0"/>
-          </a:p>
-          <a:p>
+            <a:r>
+              <a:rPr lang="en-US" dirty="0">
+                <a:solidFill>
+                  <a:schemeClr val="accent4"/>
+                </a:solidFill>
+              </a:rPr>
+              <a:t>TextField</a:t>
+            </a:r>
             <a:r>
               <a:rPr lang="en-US" dirty="0"/>
-              <a:t>Using DropdownButton Widgets</a:t>
+              <a:t> and </a:t>
             </a:r>
-            <a:br>
+            <a:r>
+              <a:rPr lang="en-US" dirty="0" err="1">
+                <a:solidFill>
+                  <a:schemeClr val="accent4"/>
+                </a:solidFill>
+              </a:rPr>
+              <a:t>TextEditingController</a:t>
+            </a:r>
+            <a:r>
               <a:rPr lang="en-US" dirty="0"/>
-            </a:br>
-            <a:endParaRPr lang="en-US" dirty="0"/>
+              <a:t> Widgets</a:t>
+            </a:r>
+          </a:p>
+          <a:p>
+            <a:r>
+              <a:rPr lang="en-US" dirty="0"/>
+              <a:t>Using </a:t>
+            </a:r>
+            <a:r>
+              <a:rPr lang="en-US" dirty="0" err="1">
+                <a:solidFill>
+                  <a:schemeClr val="accent4"/>
+                </a:solidFill>
+              </a:rPr>
+              <a:t>DropdownButton</a:t>
+            </a:r>
+            <a:r>
+              <a:rPr lang="en-US" dirty="0"/>
+              <a:t> Widgets</a:t>
+            </a:r>
           </a:p>
           <a:p>
             <a:r>
@@ -6339,7 +6356,7 @@
                                         <p:tgtEl>
                                           <p:spTgt spid="3">
                                             <p:txEl>
-                                              <p:pRg st="2" end="2"/>
+                                              <p:pRg st="1" end="1"/>
                                             </p:txEl>
                                           </p:spTgt>
                                         </p:tgtEl>
@@ -6357,7 +6374,7 @@
                                         <p:tgtEl>
                                           <p:spTgt spid="3">
                                             <p:txEl>
-                                              <p:pRg st="2" end="2"/>
+                                              <p:pRg st="1" end="1"/>
                                             </p:txEl>
                                           </p:spTgt>
                                         </p:tgtEl>
@@ -6400,7 +6417,7 @@
                                         <p:tgtEl>
                                           <p:spTgt spid="3">
                                             <p:txEl>
-                                              <p:pRg st="3" end="3"/>
+                                              <p:pRg st="2" end="2"/>
                                             </p:txEl>
                                           </p:spTgt>
                                         </p:tgtEl>
@@ -6418,7 +6435,7 @@
                                         <p:tgtEl>
                                           <p:spTgt spid="3">
                                             <p:txEl>
-                                              <p:pRg st="3" end="3"/>
+                                              <p:pRg st="2" end="2"/>
                                             </p:txEl>
                                           </p:spTgt>
                                         </p:tgtEl>
